--- a/imgs.pptx
+++ b/imgs.pptx
@@ -6,6 +6,7 @@
   </p:sldMasterIdLst>
   <p:sldIdLst>
     <p:sldId id="256" r:id="rId2"/>
+    <p:sldId id="257" r:id="rId3"/>
   </p:sldIdLst>
   <p:sldSz cx="12192000" cy="6858000"/>
   <p:notesSz cx="6858000" cy="9144000"/>
@@ -270,7 +271,7 @@
           <a:p>
             <a:fld id="{83B490DE-A804-4D8D-8D01-D299B1A0E392}" type="datetimeFigureOut">
               <a:rPr lang="it-IT" smtClean="0"/>
-              <a:t>11/12/2025</a:t>
+              <a:t>21/12/2025</a:t>
             </a:fld>
             <a:endParaRPr lang="it-IT"/>
           </a:p>
@@ -468,7 +469,7 @@
           <a:p>
             <a:fld id="{83B490DE-A804-4D8D-8D01-D299B1A0E392}" type="datetimeFigureOut">
               <a:rPr lang="it-IT" smtClean="0"/>
-              <a:t>11/12/2025</a:t>
+              <a:t>21/12/2025</a:t>
             </a:fld>
             <a:endParaRPr lang="it-IT"/>
           </a:p>
@@ -676,7 +677,7 @@
           <a:p>
             <a:fld id="{83B490DE-A804-4D8D-8D01-D299B1A0E392}" type="datetimeFigureOut">
               <a:rPr lang="it-IT" smtClean="0"/>
-              <a:t>11/12/2025</a:t>
+              <a:t>21/12/2025</a:t>
             </a:fld>
             <a:endParaRPr lang="it-IT"/>
           </a:p>
@@ -874,7 +875,7 @@
           <a:p>
             <a:fld id="{83B490DE-A804-4D8D-8D01-D299B1A0E392}" type="datetimeFigureOut">
               <a:rPr lang="it-IT" smtClean="0"/>
-              <a:t>11/12/2025</a:t>
+              <a:t>21/12/2025</a:t>
             </a:fld>
             <a:endParaRPr lang="it-IT"/>
           </a:p>
@@ -1149,7 +1150,7 @@
           <a:p>
             <a:fld id="{83B490DE-A804-4D8D-8D01-D299B1A0E392}" type="datetimeFigureOut">
               <a:rPr lang="it-IT" smtClean="0"/>
-              <a:t>11/12/2025</a:t>
+              <a:t>21/12/2025</a:t>
             </a:fld>
             <a:endParaRPr lang="it-IT"/>
           </a:p>
@@ -1414,7 +1415,7 @@
           <a:p>
             <a:fld id="{83B490DE-A804-4D8D-8D01-D299B1A0E392}" type="datetimeFigureOut">
               <a:rPr lang="it-IT" smtClean="0"/>
-              <a:t>11/12/2025</a:t>
+              <a:t>21/12/2025</a:t>
             </a:fld>
             <a:endParaRPr lang="it-IT"/>
           </a:p>
@@ -1826,7 +1827,7 @@
           <a:p>
             <a:fld id="{83B490DE-A804-4D8D-8D01-D299B1A0E392}" type="datetimeFigureOut">
               <a:rPr lang="it-IT" smtClean="0"/>
-              <a:t>11/12/2025</a:t>
+              <a:t>21/12/2025</a:t>
             </a:fld>
             <a:endParaRPr lang="it-IT"/>
           </a:p>
@@ -1967,7 +1968,7 @@
           <a:p>
             <a:fld id="{83B490DE-A804-4D8D-8D01-D299B1A0E392}" type="datetimeFigureOut">
               <a:rPr lang="it-IT" smtClean="0"/>
-              <a:t>11/12/2025</a:t>
+              <a:t>21/12/2025</a:t>
             </a:fld>
             <a:endParaRPr lang="it-IT"/>
           </a:p>
@@ -2080,7 +2081,7 @@
           <a:p>
             <a:fld id="{83B490DE-A804-4D8D-8D01-D299B1A0E392}" type="datetimeFigureOut">
               <a:rPr lang="it-IT" smtClean="0"/>
-              <a:t>11/12/2025</a:t>
+              <a:t>21/12/2025</a:t>
             </a:fld>
             <a:endParaRPr lang="it-IT"/>
           </a:p>
@@ -2391,7 +2392,7 @@
           <a:p>
             <a:fld id="{83B490DE-A804-4D8D-8D01-D299B1A0E392}" type="datetimeFigureOut">
               <a:rPr lang="it-IT" smtClean="0"/>
-              <a:t>11/12/2025</a:t>
+              <a:t>21/12/2025</a:t>
             </a:fld>
             <a:endParaRPr lang="it-IT"/>
           </a:p>
@@ -2679,7 +2680,7 @@
           <a:p>
             <a:fld id="{83B490DE-A804-4D8D-8D01-D299B1A0E392}" type="datetimeFigureOut">
               <a:rPr lang="it-IT" smtClean="0"/>
-              <a:t>11/12/2025</a:t>
+              <a:t>21/12/2025</a:t>
             </a:fld>
             <a:endParaRPr lang="it-IT"/>
           </a:p>
@@ -2920,7 +2921,7 @@
           <a:p>
             <a:fld id="{83B490DE-A804-4D8D-8D01-D299B1A0E392}" type="datetimeFigureOut">
               <a:rPr lang="it-IT" smtClean="0"/>
-              <a:t>11/12/2025</a:t>
+              <a:t>21/12/2025</a:t>
             </a:fld>
             <a:endParaRPr lang="it-IT"/>
           </a:p>
@@ -3906,8 +3907,8 @@
           </a:p>
         </p:txBody>
       </p:sp>
-      <mc:AlternateContent xmlns:mc="http://schemas.openxmlformats.org/markup-compatibility/2006">
-        <mc:Choice xmlns:a14="http://schemas.microsoft.com/office/drawing/2010/main" Requires="a14">
+      <mc:AlternateContent xmlns:mc="http://schemas.openxmlformats.org/markup-compatibility/2006" xmlns:a14="http://schemas.microsoft.com/office/drawing/2010/main">
+        <mc:Choice Requires="a14">
           <p:sp>
             <p:nvSpPr>
               <p:cNvPr id="27" name="CasellaDiTesto 26">
@@ -3936,6 +3937,7 @@
               </a:bodyPr>
               <a:lstStyle/>
               <a:p>
+                <a:pPr/>
                 <a14:m>
                   <m:oMathPara xmlns:m="http://schemas.openxmlformats.org/officeDocument/2006/math">
                     <m:oMathParaPr>
@@ -3957,7 +3959,7 @@
             </p:txBody>
           </p:sp>
         </mc:Choice>
-        <mc:Fallback>
+        <mc:Fallback xmlns="">
           <p:sp>
             <p:nvSpPr>
               <p:cNvPr id="27" name="CasellaDiTesto 26">
@@ -4002,8 +4004,8 @@
           </p:sp>
         </mc:Fallback>
       </mc:AlternateContent>
-      <mc:AlternateContent xmlns:mc="http://schemas.openxmlformats.org/markup-compatibility/2006">
-        <mc:Choice xmlns:a14="http://schemas.microsoft.com/office/drawing/2010/main" Requires="a14">
+      <mc:AlternateContent xmlns:mc="http://schemas.openxmlformats.org/markup-compatibility/2006" xmlns:a14="http://schemas.microsoft.com/office/drawing/2010/main">
+        <mc:Choice Requires="a14">
           <p:sp>
             <p:nvSpPr>
               <p:cNvPr id="28" name="CasellaDiTesto 27">
@@ -4032,6 +4034,7 @@
               </a:bodyPr>
               <a:lstStyle/>
               <a:p>
+                <a:pPr/>
                 <a14:m>
                   <m:oMathPara xmlns:m="http://schemas.openxmlformats.org/officeDocument/2006/math">
                     <m:oMathParaPr>
@@ -4083,7 +4086,7 @@
             </p:txBody>
           </p:sp>
         </mc:Choice>
-        <mc:Fallback>
+        <mc:Fallback xmlns="">
           <p:sp>
             <p:nvSpPr>
               <p:cNvPr id="28" name="CasellaDiTesto 27">
@@ -4128,8 +4131,8 @@
           </p:sp>
         </mc:Fallback>
       </mc:AlternateContent>
-      <mc:AlternateContent xmlns:mc="http://schemas.openxmlformats.org/markup-compatibility/2006">
-        <mc:Choice xmlns:a14="http://schemas.microsoft.com/office/drawing/2010/main" Requires="a14">
+      <mc:AlternateContent xmlns:mc="http://schemas.openxmlformats.org/markup-compatibility/2006" xmlns:a14="http://schemas.microsoft.com/office/drawing/2010/main">
+        <mc:Choice Requires="a14">
           <p:sp>
             <p:nvSpPr>
               <p:cNvPr id="29" name="CasellaDiTesto 28">
@@ -4158,6 +4161,7 @@
               </a:bodyPr>
               <a:lstStyle/>
               <a:p>
+                <a:pPr/>
                 <a14:m>
                   <m:oMathPara xmlns:m="http://schemas.openxmlformats.org/officeDocument/2006/math">
                     <m:oMathParaPr>
@@ -4209,7 +4213,7 @@
             </p:txBody>
           </p:sp>
         </mc:Choice>
-        <mc:Fallback>
+        <mc:Fallback xmlns="">
           <p:sp>
             <p:nvSpPr>
               <p:cNvPr id="29" name="CasellaDiTesto 28">
@@ -4254,8 +4258,8 @@
           </p:sp>
         </mc:Fallback>
       </mc:AlternateContent>
-      <mc:AlternateContent xmlns:mc="http://schemas.openxmlformats.org/markup-compatibility/2006">
-        <mc:Choice xmlns:a14="http://schemas.microsoft.com/office/drawing/2010/main" Requires="a14">
+      <mc:AlternateContent xmlns:mc="http://schemas.openxmlformats.org/markup-compatibility/2006" xmlns:a14="http://schemas.microsoft.com/office/drawing/2010/main">
+        <mc:Choice Requires="a14">
           <p:sp>
             <p:nvSpPr>
               <p:cNvPr id="30" name="CasellaDiTesto 29">
@@ -4284,6 +4288,7 @@
               </a:bodyPr>
               <a:lstStyle/>
               <a:p>
+                <a:pPr/>
                 <a14:m>
                   <m:oMathPara xmlns:m="http://schemas.openxmlformats.org/officeDocument/2006/math">
                     <m:oMathParaPr>
@@ -4335,7 +4340,7 @@
             </p:txBody>
           </p:sp>
         </mc:Choice>
-        <mc:Fallback>
+        <mc:Fallback xmlns="">
           <p:sp>
             <p:nvSpPr>
               <p:cNvPr id="30" name="CasellaDiTesto 29">
@@ -4380,8 +4385,8 @@
           </p:sp>
         </mc:Fallback>
       </mc:AlternateContent>
-      <mc:AlternateContent xmlns:mc="http://schemas.openxmlformats.org/markup-compatibility/2006">
-        <mc:Choice xmlns:a14="http://schemas.microsoft.com/office/drawing/2010/main" Requires="a14">
+      <mc:AlternateContent xmlns:mc="http://schemas.openxmlformats.org/markup-compatibility/2006" xmlns:a14="http://schemas.microsoft.com/office/drawing/2010/main">
+        <mc:Choice Requires="a14">
           <p:sp>
             <p:nvSpPr>
               <p:cNvPr id="31" name="CasellaDiTesto 30">
@@ -4410,6 +4415,7 @@
               </a:bodyPr>
               <a:lstStyle/>
               <a:p>
+                <a:pPr/>
                 <a14:m>
                   <m:oMathPara xmlns:m="http://schemas.openxmlformats.org/officeDocument/2006/math">
                     <m:oMathParaPr>
@@ -4504,7 +4510,7 @@
             </p:txBody>
           </p:sp>
         </mc:Choice>
-        <mc:Fallback>
+        <mc:Fallback xmlns="">
           <p:sp>
             <p:nvSpPr>
               <p:cNvPr id="31" name="CasellaDiTesto 30">
@@ -4549,8 +4555,8 @@
           </p:sp>
         </mc:Fallback>
       </mc:AlternateContent>
-      <mc:AlternateContent xmlns:mc="http://schemas.openxmlformats.org/markup-compatibility/2006">
-        <mc:Choice xmlns:a14="http://schemas.microsoft.com/office/drawing/2010/main" Requires="a14">
+      <mc:AlternateContent xmlns:mc="http://schemas.openxmlformats.org/markup-compatibility/2006" xmlns:a14="http://schemas.microsoft.com/office/drawing/2010/main">
+        <mc:Choice Requires="a14">
           <p:sp>
             <p:nvSpPr>
               <p:cNvPr id="32" name="CasellaDiTesto 31">
@@ -4579,6 +4585,7 @@
               </a:bodyPr>
               <a:lstStyle/>
               <a:p>
+                <a:pPr/>
                 <a14:m>
                   <m:oMathPara xmlns:m="http://schemas.openxmlformats.org/officeDocument/2006/math">
                     <m:oMathParaPr>
@@ -4618,7 +4625,7 @@
             </p:txBody>
           </p:sp>
         </mc:Choice>
-        <mc:Fallback>
+        <mc:Fallback xmlns="">
           <p:sp>
             <p:nvSpPr>
               <p:cNvPr id="32" name="CasellaDiTesto 31">
@@ -4812,8 +4819,8 @@
           </a:p>
         </p:txBody>
       </p:sp>
-      <mc:AlternateContent xmlns:mc="http://schemas.openxmlformats.org/markup-compatibility/2006">
-        <mc:Choice xmlns:a14="http://schemas.microsoft.com/office/drawing/2010/main" Requires="a14">
+      <mc:AlternateContent xmlns:mc="http://schemas.openxmlformats.org/markup-compatibility/2006" xmlns:a14="http://schemas.microsoft.com/office/drawing/2010/main">
+        <mc:Choice Requires="a14">
           <p:sp>
             <p:nvSpPr>
               <p:cNvPr id="37" name="CasellaDiTesto 36">
@@ -4842,6 +4849,7 @@
               </a:bodyPr>
               <a:lstStyle/>
               <a:p>
+                <a:pPr/>
                 <a14:m>
                   <m:oMathPara xmlns:m="http://schemas.openxmlformats.org/officeDocument/2006/math">
                     <m:oMathParaPr>
@@ -4870,7 +4878,7 @@
             </p:txBody>
           </p:sp>
         </mc:Choice>
-        <mc:Fallback>
+        <mc:Fallback xmlns="">
           <p:sp>
             <p:nvSpPr>
               <p:cNvPr id="37" name="CasellaDiTesto 36">
@@ -4919,6 +4927,1596 @@
     <p:extLst>
       <p:ext uri="{BB962C8B-B14F-4D97-AF65-F5344CB8AC3E}">
         <p14:creationId xmlns:p14="http://schemas.microsoft.com/office/powerpoint/2010/main" val="437307998"/>
+      </p:ext>
+    </p:extLst>
+  </p:cSld>
+  <p:clrMapOvr>
+    <a:masterClrMapping/>
+  </p:clrMapOvr>
+</p:sld>
+</file>
+
+<file path=ppt/slides/slide2.xml><?xml version="1.0" encoding="utf-8"?>
+<p:sld xmlns:a="http://schemas.openxmlformats.org/drawingml/2006/main" xmlns:r="http://schemas.openxmlformats.org/officeDocument/2006/relationships" xmlns:p="http://schemas.openxmlformats.org/presentationml/2006/main">
+  <p:cSld>
+    <p:spTree>
+      <p:nvGrpSpPr>
+        <p:cNvPr id="1" name=""/>
+        <p:cNvGrpSpPr/>
+        <p:nvPr/>
+      </p:nvGrpSpPr>
+      <p:grpSpPr>
+        <a:xfrm>
+          <a:off x="0" y="0"/>
+          <a:ext cx="0" cy="0"/>
+          <a:chOff x="0" y="0"/>
+          <a:chExt cx="0" cy="0"/>
+        </a:xfrm>
+      </p:grpSpPr>
+      <p:sp>
+        <p:nvSpPr>
+          <p:cNvPr id="23" name="Rettangolo 22">
+            <a:extLst>
+              <a:ext uri="{FF2B5EF4-FFF2-40B4-BE49-F238E27FC236}">
+                <a16:creationId xmlns:a16="http://schemas.microsoft.com/office/drawing/2014/main" id="{CEE21205-3D9A-1CA7-2E57-FD14C8ED0A87}"/>
+              </a:ext>
+            </a:extLst>
+          </p:cNvPr>
+          <p:cNvSpPr/>
+          <p:nvPr/>
+        </p:nvSpPr>
+        <p:spPr>
+          <a:xfrm>
+            <a:off x="5049656" y="4815431"/>
+            <a:ext cx="2092687" cy="104327"/>
+          </a:xfrm>
+          <a:prstGeom prst="rect">
+            <a:avLst/>
+          </a:prstGeom>
+          <a:solidFill>
+            <a:srgbClr val="00B050"/>
+          </a:solidFill>
+          <a:ln>
+            <a:solidFill>
+              <a:srgbClr val="92D050"/>
+            </a:solidFill>
+          </a:ln>
+        </p:spPr>
+        <p:style>
+          <a:lnRef idx="2">
+            <a:schemeClr val="accent1">
+              <a:shade val="15000"/>
+            </a:schemeClr>
+          </a:lnRef>
+          <a:fillRef idx="1">
+            <a:schemeClr val="accent1"/>
+          </a:fillRef>
+          <a:effectRef idx="0">
+            <a:schemeClr val="accent1"/>
+          </a:effectRef>
+          <a:fontRef idx="minor">
+            <a:schemeClr val="lt1"/>
+          </a:fontRef>
+        </p:style>
+        <p:txBody>
+          <a:bodyPr rtlCol="0" anchor="ctr"/>
+          <a:lstStyle/>
+          <a:p>
+            <a:pPr algn="ctr"/>
+            <a:endParaRPr lang="it-IT"/>
+          </a:p>
+        </p:txBody>
+      </p:sp>
+      <p:sp>
+        <p:nvSpPr>
+          <p:cNvPr id="24" name="Arco 23">
+            <a:extLst>
+              <a:ext uri="{FF2B5EF4-FFF2-40B4-BE49-F238E27FC236}">
+                <a16:creationId xmlns:a16="http://schemas.microsoft.com/office/drawing/2014/main" id="{6EBC8199-3714-3AA9-F0D0-A2D7786B26C3}"/>
+              </a:ext>
+            </a:extLst>
+          </p:cNvPr>
+          <p:cNvSpPr>
+            <a:spLocks noChangeAspect="1"/>
+          </p:cNvSpPr>
+          <p:nvPr/>
+        </p:nvSpPr>
+        <p:spPr>
+          <a:xfrm rot="11493190">
+            <a:off x="3396000" y="2219757"/>
+            <a:ext cx="5400000" cy="5400000"/>
+          </a:xfrm>
+          <a:prstGeom prst="arc">
+            <a:avLst>
+              <a:gd name="adj1" fmla="val 20142541"/>
+              <a:gd name="adj2" fmla="val 10880896"/>
+            </a:avLst>
+          </a:prstGeom>
+          <a:ln w="31750">
+            <a:solidFill>
+              <a:srgbClr val="FF0066"/>
+            </a:solidFill>
+            <a:prstDash val="dash"/>
+          </a:ln>
+        </p:spPr>
+        <p:style>
+          <a:lnRef idx="2">
+            <a:schemeClr val="accent1"/>
+          </a:lnRef>
+          <a:fillRef idx="0">
+            <a:schemeClr val="accent1"/>
+          </a:fillRef>
+          <a:effectRef idx="1">
+            <a:schemeClr val="accent1"/>
+          </a:effectRef>
+          <a:fontRef idx="minor">
+            <a:schemeClr val="tx1"/>
+          </a:fontRef>
+        </p:style>
+        <p:txBody>
+          <a:bodyPr rtlCol="0" anchor="ctr"/>
+          <a:lstStyle/>
+          <a:p>
+            <a:pPr algn="ctr"/>
+            <a:endParaRPr lang="it-IT"/>
+          </a:p>
+        </p:txBody>
+      </p:sp>
+      <p:sp>
+        <p:nvSpPr>
+          <p:cNvPr id="25" name="Arco 24">
+            <a:extLst>
+              <a:ext uri="{FF2B5EF4-FFF2-40B4-BE49-F238E27FC236}">
+                <a16:creationId xmlns:a16="http://schemas.microsoft.com/office/drawing/2014/main" id="{BCD5B739-4162-D577-E9E9-EC7196BAF798}"/>
+              </a:ext>
+            </a:extLst>
+          </p:cNvPr>
+          <p:cNvSpPr>
+            <a:spLocks noChangeAspect="1"/>
+          </p:cNvSpPr>
+          <p:nvPr/>
+        </p:nvSpPr>
+        <p:spPr>
+          <a:xfrm rot="663567">
+            <a:off x="3755998" y="125035"/>
+            <a:ext cx="4680000" cy="4680000"/>
+          </a:xfrm>
+          <a:prstGeom prst="arc">
+            <a:avLst>
+              <a:gd name="adj1" fmla="val 20142541"/>
+              <a:gd name="adj2" fmla="val 10880896"/>
+            </a:avLst>
+          </a:prstGeom>
+          <a:ln w="31750">
+            <a:solidFill>
+              <a:srgbClr val="7030A0"/>
+            </a:solidFill>
+            <a:prstDash val="dash"/>
+          </a:ln>
+        </p:spPr>
+        <p:style>
+          <a:lnRef idx="2">
+            <a:schemeClr val="accent1"/>
+          </a:lnRef>
+          <a:fillRef idx="0">
+            <a:schemeClr val="accent1"/>
+          </a:fillRef>
+          <a:effectRef idx="1">
+            <a:schemeClr val="accent1"/>
+          </a:effectRef>
+          <a:fontRef idx="minor">
+            <a:schemeClr val="tx1"/>
+          </a:fontRef>
+        </p:style>
+        <p:txBody>
+          <a:bodyPr rtlCol="0" anchor="ctr"/>
+          <a:lstStyle/>
+          <a:p>
+            <a:pPr algn="ctr"/>
+            <a:endParaRPr lang="it-IT"/>
+          </a:p>
+        </p:txBody>
+      </p:sp>
+      <p:sp>
+        <p:nvSpPr>
+          <p:cNvPr id="26" name="CasellaDiTesto 25">
+            <a:extLst>
+              <a:ext uri="{FF2B5EF4-FFF2-40B4-BE49-F238E27FC236}">
+                <a16:creationId xmlns:a16="http://schemas.microsoft.com/office/drawing/2014/main" id="{655F6F99-D187-F40C-2E63-35AB7200B8A9}"/>
+              </a:ext>
+            </a:extLst>
+          </p:cNvPr>
+          <p:cNvSpPr txBox="1"/>
+          <p:nvPr/>
+        </p:nvSpPr>
+        <p:spPr>
+          <a:xfrm>
+            <a:off x="2197013" y="1387817"/>
+            <a:ext cx="1749022" cy="1077218"/>
+          </a:xfrm>
+          <a:prstGeom prst="rect">
+            <a:avLst/>
+          </a:prstGeom>
+          <a:noFill/>
+        </p:spPr>
+        <p:txBody>
+          <a:bodyPr wrap="square" rtlCol="0">
+            <a:spAutoFit/>
+          </a:bodyPr>
+          <a:lstStyle/>
+          <a:p>
+            <a:pPr algn="ctr"/>
+            <a:r>
+              <a:rPr lang="it-IT" sz="3200">
+                <a:latin typeface="Times New Roman" panose="02020603050405020304" pitchFamily="18" charset="0"/>
+                <a:cs typeface="Times New Roman" panose="02020603050405020304" pitchFamily="18" charset="0"/>
+              </a:rPr>
+              <a:t>focusing</a:t>
+            </a:r>
+          </a:p>
+          <a:p>
+            <a:pPr algn="ctr"/>
+            <a:r>
+              <a:rPr lang="it-IT" sz="3200">
+                <a:latin typeface="Times New Roman" panose="02020603050405020304" pitchFamily="18" charset="0"/>
+                <a:cs typeface="Times New Roman" panose="02020603050405020304" pitchFamily="18" charset="0"/>
+              </a:rPr>
+              <a:t>circle</a:t>
+            </a:r>
+          </a:p>
+        </p:txBody>
+      </p:sp>
+      <p:sp>
+        <p:nvSpPr>
+          <p:cNvPr id="27" name="CasellaDiTesto 26">
+            <a:extLst>
+              <a:ext uri="{FF2B5EF4-FFF2-40B4-BE49-F238E27FC236}">
+                <a16:creationId xmlns:a16="http://schemas.microsoft.com/office/drawing/2014/main" id="{5F1F9BF9-2CF3-C4FE-FD68-A0DB1E7EBBEC}"/>
+              </a:ext>
+            </a:extLst>
+          </p:cNvPr>
+          <p:cNvSpPr txBox="1"/>
+          <p:nvPr/>
+        </p:nvSpPr>
+        <p:spPr>
+          <a:xfrm>
+            <a:off x="5136161" y="2476103"/>
+            <a:ext cx="2617047" cy="1077218"/>
+          </a:xfrm>
+          <a:prstGeom prst="rect">
+            <a:avLst/>
+          </a:prstGeom>
+          <a:noFill/>
+        </p:spPr>
+        <p:txBody>
+          <a:bodyPr wrap="square" rtlCol="0">
+            <a:spAutoFit/>
+          </a:bodyPr>
+          <a:lstStyle/>
+          <a:p>
+            <a:pPr algn="ctr"/>
+            <a:r>
+              <a:rPr lang="it-IT" sz="3200">
+                <a:latin typeface="Times New Roman" panose="02020603050405020304" pitchFamily="18" charset="0"/>
+                <a:cs typeface="Times New Roman" panose="02020603050405020304" pitchFamily="18" charset="0"/>
+              </a:rPr>
+              <a:t>diffractometer</a:t>
+            </a:r>
+          </a:p>
+          <a:p>
+            <a:pPr algn="ctr"/>
+            <a:r>
+              <a:rPr lang="it-IT" sz="3200">
+                <a:latin typeface="Times New Roman" panose="02020603050405020304" pitchFamily="18" charset="0"/>
+                <a:cs typeface="Times New Roman" panose="02020603050405020304" pitchFamily="18" charset="0"/>
+              </a:rPr>
+              <a:t>circle</a:t>
+            </a:r>
+          </a:p>
+        </p:txBody>
+      </p:sp>
+      <p:sp>
+        <p:nvSpPr>
+          <p:cNvPr id="28" name="CasellaDiTesto 27">
+            <a:extLst>
+              <a:ext uri="{FF2B5EF4-FFF2-40B4-BE49-F238E27FC236}">
+                <a16:creationId xmlns:a16="http://schemas.microsoft.com/office/drawing/2014/main" id="{BD23A4C1-0431-DD83-15AD-CB29C3112E14}"/>
+              </a:ext>
+            </a:extLst>
+          </p:cNvPr>
+          <p:cNvSpPr txBox="1"/>
+          <p:nvPr/>
+        </p:nvSpPr>
+        <p:spPr>
+          <a:xfrm>
+            <a:off x="4963136" y="4840205"/>
+            <a:ext cx="1478313" cy="584775"/>
+          </a:xfrm>
+          <a:prstGeom prst="rect">
+            <a:avLst/>
+          </a:prstGeom>
+          <a:noFill/>
+        </p:spPr>
+        <p:txBody>
+          <a:bodyPr wrap="square" rtlCol="0">
+            <a:spAutoFit/>
+          </a:bodyPr>
+          <a:lstStyle/>
+          <a:p>
+            <a:pPr algn="ctr"/>
+            <a:r>
+              <a:rPr lang="it-IT" sz="3200">
+                <a:latin typeface="Times New Roman" panose="02020603050405020304" pitchFamily="18" charset="0"/>
+                <a:cs typeface="Times New Roman" panose="02020603050405020304" pitchFamily="18" charset="0"/>
+              </a:rPr>
+              <a:t>sample</a:t>
+            </a:r>
+          </a:p>
+        </p:txBody>
+      </p:sp>
+      <p:sp>
+        <p:nvSpPr>
+          <p:cNvPr id="29" name="Rettangolo 28">
+            <a:extLst>
+              <a:ext uri="{FF2B5EF4-FFF2-40B4-BE49-F238E27FC236}">
+                <a16:creationId xmlns:a16="http://schemas.microsoft.com/office/drawing/2014/main" id="{90F528EC-AF56-263F-B67B-452350BD6501}"/>
+              </a:ext>
+            </a:extLst>
+          </p:cNvPr>
+          <p:cNvSpPr/>
+          <p:nvPr/>
+        </p:nvSpPr>
+        <p:spPr>
+          <a:xfrm rot="8464756">
+            <a:off x="3955724" y="2454908"/>
+            <a:ext cx="1045564" cy="417310"/>
+          </a:xfrm>
+          <a:prstGeom prst="rect">
+            <a:avLst/>
+          </a:prstGeom>
+          <a:solidFill>
+            <a:srgbClr val="FF9999"/>
+          </a:solidFill>
+          <a:ln>
+            <a:solidFill>
+              <a:schemeClr val="tx1"/>
+            </a:solidFill>
+          </a:ln>
+        </p:spPr>
+        <p:style>
+          <a:lnRef idx="2">
+            <a:schemeClr val="accent1">
+              <a:shade val="15000"/>
+            </a:schemeClr>
+          </a:lnRef>
+          <a:fillRef idx="1">
+            <a:schemeClr val="accent1"/>
+          </a:fillRef>
+          <a:effectRef idx="0">
+            <a:schemeClr val="accent1"/>
+          </a:effectRef>
+          <a:fontRef idx="minor">
+            <a:schemeClr val="lt1"/>
+          </a:fontRef>
+        </p:style>
+        <p:txBody>
+          <a:bodyPr rtlCol="0" anchor="ctr"/>
+          <a:lstStyle/>
+          <a:p>
+            <a:pPr algn="ctr"/>
+            <a:endParaRPr lang="it-IT"/>
+          </a:p>
+        </p:txBody>
+      </p:sp>
+      <p:sp>
+        <p:nvSpPr>
+          <p:cNvPr id="30" name="Rettangolo 29">
+            <a:extLst>
+              <a:ext uri="{FF2B5EF4-FFF2-40B4-BE49-F238E27FC236}">
+                <a16:creationId xmlns:a16="http://schemas.microsoft.com/office/drawing/2014/main" id="{1E96F699-DCC5-15DA-9DE4-C0E2BB5F88D9}"/>
+              </a:ext>
+            </a:extLst>
+          </p:cNvPr>
+          <p:cNvSpPr/>
+          <p:nvPr/>
+        </p:nvSpPr>
+        <p:spPr>
+          <a:xfrm rot="8638442">
+            <a:off x="7765429" y="3071381"/>
+            <a:ext cx="1045564" cy="417310"/>
+          </a:xfrm>
+          <a:prstGeom prst="rect">
+            <a:avLst/>
+          </a:prstGeom>
+          <a:solidFill>
+            <a:schemeClr val="accent5">
+              <a:lumMod val="20000"/>
+              <a:lumOff val="80000"/>
+            </a:schemeClr>
+          </a:solidFill>
+          <a:ln>
+            <a:solidFill>
+              <a:schemeClr val="tx1"/>
+            </a:solidFill>
+          </a:ln>
+        </p:spPr>
+        <p:style>
+          <a:lnRef idx="2">
+            <a:schemeClr val="accent1">
+              <a:shade val="15000"/>
+            </a:schemeClr>
+          </a:lnRef>
+          <a:fillRef idx="1">
+            <a:schemeClr val="accent1"/>
+          </a:fillRef>
+          <a:effectRef idx="0">
+            <a:schemeClr val="accent1"/>
+          </a:effectRef>
+          <a:fontRef idx="minor">
+            <a:schemeClr val="lt1"/>
+          </a:fontRef>
+        </p:style>
+        <p:txBody>
+          <a:bodyPr rtlCol="0" anchor="ctr"/>
+          <a:lstStyle/>
+          <a:p>
+            <a:pPr algn="ctr"/>
+            <a:endParaRPr lang="it-IT"/>
+          </a:p>
+        </p:txBody>
+      </p:sp>
+      <p:cxnSp>
+        <p:nvCxnSpPr>
+          <p:cNvPr id="31" name="Connettore 2 30">
+            <a:extLst>
+              <a:ext uri="{FF2B5EF4-FFF2-40B4-BE49-F238E27FC236}">
+                <a16:creationId xmlns:a16="http://schemas.microsoft.com/office/drawing/2014/main" id="{366FD02A-A0FE-50DD-CB21-316FA52F45C9}"/>
+              </a:ext>
+            </a:extLst>
+          </p:cNvPr>
+          <p:cNvCxnSpPr>
+            <a:cxnSpLocks/>
+            <a:stCxn id="29" idx="3"/>
+          </p:cNvCxnSpPr>
+          <p:nvPr/>
+        </p:nvCxnSpPr>
+        <p:spPr>
+          <a:xfrm flipH="1">
+            <a:off x="3799212" y="2991998"/>
+            <a:ext cx="272561" cy="521986"/>
+          </a:xfrm>
+          <a:prstGeom prst="straightConnector1">
+            <a:avLst/>
+          </a:prstGeom>
+          <a:ln w="19050" cap="flat" cmpd="sng" algn="ctr">
+            <a:solidFill>
+              <a:srgbClr val="FFC000"/>
+            </a:solidFill>
+            <a:prstDash val="solid"/>
+            <a:round/>
+            <a:headEnd type="none" w="med" len="med"/>
+            <a:tailEnd type="arrow" w="med" len="med"/>
+          </a:ln>
+        </p:spPr>
+        <p:style>
+          <a:lnRef idx="0">
+            <a:scrgbClr r="0" g="0" b="0"/>
+          </a:lnRef>
+          <a:fillRef idx="0">
+            <a:scrgbClr r="0" g="0" b="0"/>
+          </a:fillRef>
+          <a:effectRef idx="0">
+            <a:scrgbClr r="0" g="0" b="0"/>
+          </a:effectRef>
+          <a:fontRef idx="minor">
+            <a:schemeClr val="tx1"/>
+          </a:fontRef>
+        </p:style>
+      </p:cxnSp>
+      <p:cxnSp>
+        <p:nvCxnSpPr>
+          <p:cNvPr id="32" name="Connettore 2 31">
+            <a:extLst>
+              <a:ext uri="{FF2B5EF4-FFF2-40B4-BE49-F238E27FC236}">
+                <a16:creationId xmlns:a16="http://schemas.microsoft.com/office/drawing/2014/main" id="{CCFB542C-1E10-5BC0-5043-4C1FE4E5722F}"/>
+              </a:ext>
+            </a:extLst>
+          </p:cNvPr>
+          <p:cNvCxnSpPr>
+            <a:cxnSpLocks/>
+            <a:stCxn id="29" idx="3"/>
+          </p:cNvCxnSpPr>
+          <p:nvPr/>
+        </p:nvCxnSpPr>
+        <p:spPr>
+          <a:xfrm flipH="1">
+            <a:off x="3728052" y="2991998"/>
+            <a:ext cx="343721" cy="284476"/>
+          </a:xfrm>
+          <a:prstGeom prst="straightConnector1">
+            <a:avLst/>
+          </a:prstGeom>
+          <a:ln w="19050" cap="flat" cmpd="sng" algn="ctr">
+            <a:solidFill>
+              <a:srgbClr val="FFCC00"/>
+            </a:solidFill>
+            <a:prstDash val="solid"/>
+            <a:round/>
+            <a:headEnd type="none" w="med" len="med"/>
+            <a:tailEnd type="arrow" w="med" len="med"/>
+          </a:ln>
+        </p:spPr>
+        <p:style>
+          <a:lnRef idx="0">
+            <a:scrgbClr r="0" g="0" b="0"/>
+          </a:lnRef>
+          <a:fillRef idx="0">
+            <a:scrgbClr r="0" g="0" b="0"/>
+          </a:fillRef>
+          <a:effectRef idx="0">
+            <a:scrgbClr r="0" g="0" b="0"/>
+          </a:effectRef>
+          <a:fontRef idx="minor">
+            <a:schemeClr val="tx1"/>
+          </a:fontRef>
+        </p:style>
+      </p:cxnSp>
+      <p:cxnSp>
+        <p:nvCxnSpPr>
+          <p:cNvPr id="33" name="Connettore 2 32">
+            <a:extLst>
+              <a:ext uri="{FF2B5EF4-FFF2-40B4-BE49-F238E27FC236}">
+                <a16:creationId xmlns:a16="http://schemas.microsoft.com/office/drawing/2014/main" id="{2DEE9697-3415-4D41-4160-23AB60CA4079}"/>
+              </a:ext>
+            </a:extLst>
+          </p:cNvPr>
+          <p:cNvCxnSpPr>
+            <a:cxnSpLocks/>
+            <a:stCxn id="29" idx="3"/>
+          </p:cNvCxnSpPr>
+          <p:nvPr/>
+        </p:nvCxnSpPr>
+        <p:spPr>
+          <a:xfrm flipH="1">
+            <a:off x="3668336" y="2991998"/>
+            <a:ext cx="403437" cy="116652"/>
+          </a:xfrm>
+          <a:prstGeom prst="straightConnector1">
+            <a:avLst/>
+          </a:prstGeom>
+          <a:ln w="19050" cap="flat" cmpd="sng" algn="ctr">
+            <a:solidFill>
+              <a:srgbClr val="FFC000"/>
+            </a:solidFill>
+            <a:prstDash val="solid"/>
+            <a:round/>
+            <a:headEnd type="none" w="med" len="med"/>
+            <a:tailEnd type="arrow" w="med" len="med"/>
+          </a:ln>
+        </p:spPr>
+        <p:style>
+          <a:lnRef idx="0">
+            <a:scrgbClr r="0" g="0" b="0"/>
+          </a:lnRef>
+          <a:fillRef idx="0">
+            <a:scrgbClr r="0" g="0" b="0"/>
+          </a:fillRef>
+          <a:effectRef idx="0">
+            <a:scrgbClr r="0" g="0" b="0"/>
+          </a:effectRef>
+          <a:fontRef idx="minor">
+            <a:schemeClr val="tx1"/>
+          </a:fontRef>
+        </p:style>
+      </p:cxnSp>
+      <p:cxnSp>
+        <p:nvCxnSpPr>
+          <p:cNvPr id="34" name="Connettore 2 33">
+            <a:extLst>
+              <a:ext uri="{FF2B5EF4-FFF2-40B4-BE49-F238E27FC236}">
+                <a16:creationId xmlns:a16="http://schemas.microsoft.com/office/drawing/2014/main" id="{362E4B94-B086-44C1-60E1-5A79C3421E33}"/>
+              </a:ext>
+            </a:extLst>
+          </p:cNvPr>
+          <p:cNvCxnSpPr>
+            <a:cxnSpLocks/>
+            <a:endCxn id="30" idx="3"/>
+          </p:cNvCxnSpPr>
+          <p:nvPr/>
+        </p:nvCxnSpPr>
+        <p:spPr>
+          <a:xfrm flipV="1">
+            <a:off x="6139420" y="3587511"/>
+            <a:ext cx="1725991" cy="1236535"/>
+          </a:xfrm>
+          <a:prstGeom prst="straightConnector1">
+            <a:avLst/>
+          </a:prstGeom>
+          <a:ln w="19050" cap="flat" cmpd="sng" algn="ctr">
+            <a:solidFill>
+              <a:srgbClr val="CCCC00"/>
+            </a:solidFill>
+            <a:prstDash val="solid"/>
+            <a:round/>
+            <a:headEnd type="none" w="med" len="med"/>
+            <a:tailEnd type="arrow" w="med" len="med"/>
+          </a:ln>
+        </p:spPr>
+        <p:style>
+          <a:lnRef idx="0">
+            <a:scrgbClr r="0" g="0" b="0"/>
+          </a:lnRef>
+          <a:fillRef idx="0">
+            <a:scrgbClr r="0" g="0" b="0"/>
+          </a:fillRef>
+          <a:effectRef idx="0">
+            <a:scrgbClr r="0" g="0" b="0"/>
+          </a:effectRef>
+          <a:fontRef idx="minor">
+            <a:schemeClr val="tx1"/>
+          </a:fontRef>
+        </p:style>
+      </p:cxnSp>
+      <p:cxnSp>
+        <p:nvCxnSpPr>
+          <p:cNvPr id="35" name="Connettore 2 34">
+            <a:extLst>
+              <a:ext uri="{FF2B5EF4-FFF2-40B4-BE49-F238E27FC236}">
+                <a16:creationId xmlns:a16="http://schemas.microsoft.com/office/drawing/2014/main" id="{7BDD1ABC-18E4-FB6E-2725-461F6A87F52C}"/>
+              </a:ext>
+            </a:extLst>
+          </p:cNvPr>
+          <p:cNvCxnSpPr>
+            <a:cxnSpLocks/>
+          </p:cNvCxnSpPr>
+          <p:nvPr/>
+        </p:nvCxnSpPr>
+        <p:spPr>
+          <a:xfrm flipV="1">
+            <a:off x="5917652" y="3484829"/>
+            <a:ext cx="1866842" cy="1318072"/>
+          </a:xfrm>
+          <a:prstGeom prst="straightConnector1">
+            <a:avLst/>
+          </a:prstGeom>
+          <a:ln w="19050" cap="flat" cmpd="sng" algn="ctr">
+            <a:solidFill>
+              <a:srgbClr val="CCCC00"/>
+            </a:solidFill>
+            <a:prstDash val="solid"/>
+            <a:round/>
+            <a:headEnd type="none" w="med" len="med"/>
+            <a:tailEnd type="arrow" w="med" len="med"/>
+          </a:ln>
+        </p:spPr>
+        <p:style>
+          <a:lnRef idx="0">
+            <a:scrgbClr r="0" g="0" b="0"/>
+          </a:lnRef>
+          <a:fillRef idx="0">
+            <a:scrgbClr r="0" g="0" b="0"/>
+          </a:fillRef>
+          <a:effectRef idx="0">
+            <a:scrgbClr r="0" g="0" b="0"/>
+          </a:effectRef>
+          <a:fontRef idx="minor">
+            <a:schemeClr val="tx1"/>
+          </a:fontRef>
+        </p:style>
+      </p:cxnSp>
+      <p:cxnSp>
+        <p:nvCxnSpPr>
+          <p:cNvPr id="36" name="Connettore 2 35">
+            <a:extLst>
+              <a:ext uri="{FF2B5EF4-FFF2-40B4-BE49-F238E27FC236}">
+                <a16:creationId xmlns:a16="http://schemas.microsoft.com/office/drawing/2014/main" id="{44EC596B-32B8-41CA-D0C4-075EA02D3C94}"/>
+              </a:ext>
+            </a:extLst>
+          </p:cNvPr>
+          <p:cNvCxnSpPr>
+            <a:cxnSpLocks/>
+          </p:cNvCxnSpPr>
+          <p:nvPr/>
+        </p:nvCxnSpPr>
+        <p:spPr>
+          <a:xfrm flipV="1">
+            <a:off x="6399494" y="3719309"/>
+            <a:ext cx="1556793" cy="1100821"/>
+          </a:xfrm>
+          <a:prstGeom prst="straightConnector1">
+            <a:avLst/>
+          </a:prstGeom>
+          <a:ln w="19050" cap="flat" cmpd="sng" algn="ctr">
+            <a:solidFill>
+              <a:srgbClr val="CCCC00"/>
+            </a:solidFill>
+            <a:prstDash val="solid"/>
+            <a:round/>
+            <a:headEnd type="none" w="med" len="med"/>
+            <a:tailEnd type="arrow" w="med" len="med"/>
+          </a:ln>
+        </p:spPr>
+        <p:style>
+          <a:lnRef idx="0">
+            <a:scrgbClr r="0" g="0" b="0"/>
+          </a:lnRef>
+          <a:fillRef idx="0">
+            <a:scrgbClr r="0" g="0" b="0"/>
+          </a:fillRef>
+          <a:effectRef idx="0">
+            <a:scrgbClr r="0" g="0" b="0"/>
+          </a:effectRef>
+          <a:fontRef idx="minor">
+            <a:schemeClr val="tx1"/>
+          </a:fontRef>
+        </p:style>
+      </p:cxnSp>
+      <p:sp>
+        <p:nvSpPr>
+          <p:cNvPr id="37" name="CasellaDiTesto 36">
+            <a:extLst>
+              <a:ext uri="{FF2B5EF4-FFF2-40B4-BE49-F238E27FC236}">
+                <a16:creationId xmlns:a16="http://schemas.microsoft.com/office/drawing/2014/main" id="{9BF2F442-1728-C84B-281D-16BEBD673772}"/>
+              </a:ext>
+            </a:extLst>
+          </p:cNvPr>
+          <p:cNvSpPr txBox="1"/>
+          <p:nvPr/>
+        </p:nvSpPr>
+        <p:spPr>
+          <a:xfrm>
+            <a:off x="3927672" y="1546508"/>
+            <a:ext cx="2029375" cy="584775"/>
+          </a:xfrm>
+          <a:prstGeom prst="rect">
+            <a:avLst/>
+          </a:prstGeom>
+          <a:noFill/>
+        </p:spPr>
+        <p:txBody>
+          <a:bodyPr wrap="square" rtlCol="0">
+            <a:spAutoFit/>
+          </a:bodyPr>
+          <a:lstStyle/>
+          <a:p>
+            <a:pPr algn="ctr"/>
+            <a:r>
+              <a:rPr lang="it-IT" sz="3200">
+                <a:latin typeface="Times New Roman" panose="02020603050405020304" pitchFamily="18" charset="0"/>
+                <a:cs typeface="Times New Roman" panose="02020603050405020304" pitchFamily="18" charset="0"/>
+              </a:rPr>
+              <a:t>X-ray tube</a:t>
+            </a:r>
+          </a:p>
+        </p:txBody>
+      </p:sp>
+      <p:sp>
+        <p:nvSpPr>
+          <p:cNvPr id="38" name="CasellaDiTesto 37">
+            <a:extLst>
+              <a:ext uri="{FF2B5EF4-FFF2-40B4-BE49-F238E27FC236}">
+                <a16:creationId xmlns:a16="http://schemas.microsoft.com/office/drawing/2014/main" id="{D9B924E2-E0C9-9D18-7AAB-E1122F96BC4E}"/>
+              </a:ext>
+            </a:extLst>
+          </p:cNvPr>
+          <p:cNvSpPr txBox="1"/>
+          <p:nvPr/>
+        </p:nvSpPr>
+        <p:spPr>
+          <a:xfrm>
+            <a:off x="8437176" y="3225696"/>
+            <a:ext cx="1557807" cy="584775"/>
+          </a:xfrm>
+          <a:prstGeom prst="rect">
+            <a:avLst/>
+          </a:prstGeom>
+          <a:noFill/>
+        </p:spPr>
+        <p:txBody>
+          <a:bodyPr wrap="square" rtlCol="0">
+            <a:spAutoFit/>
+          </a:bodyPr>
+          <a:lstStyle/>
+          <a:p>
+            <a:pPr algn="ctr"/>
+            <a:r>
+              <a:rPr lang="it-IT" sz="3200">
+                <a:latin typeface="Times New Roman" panose="02020603050405020304" pitchFamily="18" charset="0"/>
+                <a:cs typeface="Times New Roman" panose="02020603050405020304" pitchFamily="18" charset="0"/>
+              </a:rPr>
+              <a:t>detector</a:t>
+            </a:r>
+          </a:p>
+        </p:txBody>
+      </p:sp>
+      <p:sp>
+        <p:nvSpPr>
+          <p:cNvPr id="40" name="Arco 39">
+            <a:extLst>
+              <a:ext uri="{FF2B5EF4-FFF2-40B4-BE49-F238E27FC236}">
+                <a16:creationId xmlns:a16="http://schemas.microsoft.com/office/drawing/2014/main" id="{6191CFEC-01EA-5B13-410C-C1451913383A}"/>
+              </a:ext>
+            </a:extLst>
+          </p:cNvPr>
+          <p:cNvSpPr>
+            <a:spLocks noChangeAspect="1"/>
+          </p:cNvSpPr>
+          <p:nvPr/>
+        </p:nvSpPr>
+        <p:spPr>
+          <a:xfrm rot="5019651">
+            <a:off x="6264212" y="4346671"/>
+            <a:ext cx="948142" cy="948142"/>
+          </a:xfrm>
+          <a:prstGeom prst="arc">
+            <a:avLst>
+              <a:gd name="adj1" fmla="val 11677876"/>
+              <a:gd name="adj2" fmla="val 20923003"/>
+            </a:avLst>
+          </a:prstGeom>
+          <a:noFill/>
+          <a:ln>
+            <a:solidFill>
+              <a:srgbClr val="33CCCC"/>
+            </a:solidFill>
+          </a:ln>
+        </p:spPr>
+        <p:style>
+          <a:lnRef idx="2">
+            <a:schemeClr val="dk1"/>
+          </a:lnRef>
+          <a:fillRef idx="0">
+            <a:schemeClr val="dk1"/>
+          </a:fillRef>
+          <a:effectRef idx="1">
+            <a:schemeClr val="dk1"/>
+          </a:effectRef>
+          <a:fontRef idx="minor">
+            <a:schemeClr val="tx1"/>
+          </a:fontRef>
+        </p:style>
+        <p:txBody>
+          <a:bodyPr rtlCol="0" anchor="ctr"/>
+          <a:lstStyle/>
+          <a:p>
+            <a:pPr algn="ctr"/>
+            <a:endParaRPr lang="it-IT"/>
+          </a:p>
+        </p:txBody>
+      </p:sp>
+      <p:sp>
+        <p:nvSpPr>
+          <p:cNvPr id="41" name="Arco 40">
+            <a:extLst>
+              <a:ext uri="{FF2B5EF4-FFF2-40B4-BE49-F238E27FC236}">
+                <a16:creationId xmlns:a16="http://schemas.microsoft.com/office/drawing/2014/main" id="{C90E70F9-58D1-E29B-B26D-F43B6F4BAFFF}"/>
+              </a:ext>
+            </a:extLst>
+          </p:cNvPr>
+          <p:cNvSpPr>
+            <a:spLocks noChangeAspect="1"/>
+          </p:cNvSpPr>
+          <p:nvPr/>
+        </p:nvSpPr>
+        <p:spPr>
+          <a:xfrm rot="11680475">
+            <a:off x="5222784" y="4329141"/>
+            <a:ext cx="523034" cy="523034"/>
+          </a:xfrm>
+          <a:prstGeom prst="arc">
+            <a:avLst>
+              <a:gd name="adj1" fmla="val 17480649"/>
+              <a:gd name="adj2" fmla="val 3413744"/>
+            </a:avLst>
+          </a:prstGeom>
+          <a:ln>
+            <a:solidFill>
+              <a:srgbClr val="33CCCC"/>
+            </a:solidFill>
+          </a:ln>
+        </p:spPr>
+        <p:style>
+          <a:lnRef idx="2">
+            <a:schemeClr val="dk1"/>
+          </a:lnRef>
+          <a:fillRef idx="0">
+            <a:schemeClr val="dk1"/>
+          </a:fillRef>
+          <a:effectRef idx="1">
+            <a:schemeClr val="dk1"/>
+          </a:effectRef>
+          <a:fontRef idx="minor">
+            <a:schemeClr val="tx1"/>
+          </a:fontRef>
+        </p:style>
+        <p:txBody>
+          <a:bodyPr rtlCol="0" anchor="ctr"/>
+          <a:lstStyle/>
+          <a:p>
+            <a:pPr algn="ctr"/>
+            <a:endParaRPr lang="it-IT"/>
+          </a:p>
+        </p:txBody>
+      </p:sp>
+      <mc:AlternateContent xmlns:mc="http://schemas.openxmlformats.org/markup-compatibility/2006" xmlns:a14="http://schemas.microsoft.com/office/drawing/2010/main">
+        <mc:Choice Requires="a14">
+          <p:sp>
+            <p:nvSpPr>
+              <p:cNvPr id="42" name="CasellaDiTesto 41">
+                <a:extLst>
+                  <a:ext uri="{FF2B5EF4-FFF2-40B4-BE49-F238E27FC236}">
+                    <a16:creationId xmlns:a16="http://schemas.microsoft.com/office/drawing/2014/main" id="{9E4C08B3-1BD9-D54A-3B1C-FF3F8410D1A6}"/>
+                  </a:ext>
+                </a:extLst>
+              </p:cNvPr>
+              <p:cNvSpPr txBox="1"/>
+              <p:nvPr/>
+            </p:nvSpPr>
+            <p:spPr>
+              <a:xfrm>
+                <a:off x="4333959" y="4441855"/>
+                <a:ext cx="1082154" cy="646331"/>
+              </a:xfrm>
+              <a:prstGeom prst="rect">
+                <a:avLst/>
+              </a:prstGeom>
+              <a:noFill/>
+            </p:spPr>
+            <p:txBody>
+              <a:bodyPr wrap="square" rtlCol="0">
+                <a:spAutoFit/>
+              </a:bodyPr>
+              <a:lstStyle/>
+              <a:p>
+                <a:pPr/>
+                <a14:m>
+                  <m:oMathPara xmlns:m="http://schemas.openxmlformats.org/officeDocument/2006/math">
+                    <m:oMathParaPr>
+                      <m:jc m:val="centerGroup"/>
+                    </m:oMathParaPr>
+                    <m:oMath xmlns:m="http://schemas.openxmlformats.org/officeDocument/2006/math">
+                      <m:r>
+                        <a:rPr lang="it-IT" sz="3600" i="1" smtClean="0">
+                          <a:latin typeface="Cambria Math" panose="02040503050406030204" pitchFamily="18" charset="0"/>
+                          <a:ea typeface="Cambria Math" panose="02040503050406030204" pitchFamily="18" charset="0"/>
+                        </a:rPr>
+                        <m:t>𝜗</m:t>
+                      </m:r>
+                    </m:oMath>
+                  </m:oMathPara>
+                </a14:m>
+                <a:endParaRPr lang="it-IT" sz="3600"/>
+              </a:p>
+            </p:txBody>
+          </p:sp>
+        </mc:Choice>
+        <mc:Fallback xmlns="">
+          <p:sp>
+            <p:nvSpPr>
+              <p:cNvPr id="42" name="CasellaDiTesto 41">
+                <a:extLst>
+                  <a:ext uri="{FF2B5EF4-FFF2-40B4-BE49-F238E27FC236}">
+                    <a16:creationId xmlns:a16="http://schemas.microsoft.com/office/drawing/2014/main" id="{9E4C08B3-1BD9-D54A-3B1C-FF3F8410D1A6}"/>
+                  </a:ext>
+                </a:extLst>
+              </p:cNvPr>
+              <p:cNvSpPr txBox="1">
+                <a:spLocks noRot="1" noChangeAspect="1" noMove="1" noResize="1" noEditPoints="1" noAdjustHandles="1" noChangeArrowheads="1" noChangeShapeType="1" noTextEdit="1"/>
+              </p:cNvSpPr>
+              <p:nvPr/>
+            </p:nvSpPr>
+            <p:spPr>
+              <a:xfrm>
+                <a:off x="4333959" y="4441855"/>
+                <a:ext cx="1082154" cy="646331"/>
+              </a:xfrm>
+              <a:prstGeom prst="rect">
+                <a:avLst/>
+              </a:prstGeom>
+              <a:blipFill>
+                <a:blip r:embed="rId2"/>
+                <a:stretch>
+                  <a:fillRect/>
+                </a:stretch>
+              </a:blipFill>
+            </p:spPr>
+            <p:txBody>
+              <a:bodyPr/>
+              <a:lstStyle/>
+              <a:p>
+                <a:r>
+                  <a:rPr lang="it-IT">
+                    <a:noFill/>
+                  </a:rPr>
+                  <a:t> </a:t>
+                </a:r>
+              </a:p>
+            </p:txBody>
+          </p:sp>
+        </mc:Fallback>
+      </mc:AlternateContent>
+      <mc:AlternateContent xmlns:mc="http://schemas.openxmlformats.org/markup-compatibility/2006" xmlns:a14="http://schemas.microsoft.com/office/drawing/2010/main">
+        <mc:Choice Requires="a14">
+          <p:sp>
+            <p:nvSpPr>
+              <p:cNvPr id="43" name="CasellaDiTesto 42">
+                <a:extLst>
+                  <a:ext uri="{FF2B5EF4-FFF2-40B4-BE49-F238E27FC236}">
+                    <a16:creationId xmlns:a16="http://schemas.microsoft.com/office/drawing/2014/main" id="{07D01E3B-380C-E7E4-7B0B-BED0B5FDC7EC}"/>
+                  </a:ext>
+                </a:extLst>
+              </p:cNvPr>
+              <p:cNvSpPr txBox="1"/>
+              <p:nvPr/>
+            </p:nvSpPr>
+            <p:spPr>
+              <a:xfrm>
+                <a:off x="6988524" y="4445683"/>
+                <a:ext cx="1082154" cy="646331"/>
+              </a:xfrm>
+              <a:prstGeom prst="rect">
+                <a:avLst/>
+              </a:prstGeom>
+              <a:noFill/>
+            </p:spPr>
+            <p:txBody>
+              <a:bodyPr wrap="square" rtlCol="0">
+                <a:spAutoFit/>
+              </a:bodyPr>
+              <a:lstStyle/>
+              <a:p>
+                <a:pPr/>
+                <a14:m>
+                  <m:oMathPara xmlns:m="http://schemas.openxmlformats.org/officeDocument/2006/math">
+                    <m:oMathParaPr>
+                      <m:jc m:val="centerGroup"/>
+                    </m:oMathParaPr>
+                    <m:oMath xmlns:m="http://schemas.openxmlformats.org/officeDocument/2006/math">
+                      <m:r>
+                        <a:rPr lang="it-IT" sz="3600" b="0" i="1" smtClean="0">
+                          <a:latin typeface="Cambria Math" panose="02040503050406030204" pitchFamily="18" charset="0"/>
+                          <a:ea typeface="Cambria Math" panose="02040503050406030204" pitchFamily="18" charset="0"/>
+                        </a:rPr>
+                        <m:t>2</m:t>
+                      </m:r>
+                      <m:r>
+                        <a:rPr lang="it-IT" sz="3600" i="1" smtClean="0">
+                          <a:latin typeface="Cambria Math" panose="02040503050406030204" pitchFamily="18" charset="0"/>
+                          <a:ea typeface="Cambria Math" panose="02040503050406030204" pitchFamily="18" charset="0"/>
+                        </a:rPr>
+                        <m:t>𝜗</m:t>
+                      </m:r>
+                    </m:oMath>
+                  </m:oMathPara>
+                </a14:m>
+                <a:endParaRPr lang="it-IT" sz="3600"/>
+              </a:p>
+            </p:txBody>
+          </p:sp>
+        </mc:Choice>
+        <mc:Fallback xmlns="">
+          <p:sp>
+            <p:nvSpPr>
+              <p:cNvPr id="43" name="CasellaDiTesto 42">
+                <a:extLst>
+                  <a:ext uri="{FF2B5EF4-FFF2-40B4-BE49-F238E27FC236}">
+                    <a16:creationId xmlns:a16="http://schemas.microsoft.com/office/drawing/2014/main" id="{07D01E3B-380C-E7E4-7B0B-BED0B5FDC7EC}"/>
+                  </a:ext>
+                </a:extLst>
+              </p:cNvPr>
+              <p:cNvSpPr txBox="1">
+                <a:spLocks noRot="1" noChangeAspect="1" noMove="1" noResize="1" noEditPoints="1" noAdjustHandles="1" noChangeArrowheads="1" noChangeShapeType="1" noTextEdit="1"/>
+              </p:cNvSpPr>
+              <p:nvPr/>
+            </p:nvSpPr>
+            <p:spPr>
+              <a:xfrm>
+                <a:off x="6988524" y="4445683"/>
+                <a:ext cx="1082154" cy="646331"/>
+              </a:xfrm>
+              <a:prstGeom prst="rect">
+                <a:avLst/>
+              </a:prstGeom>
+              <a:blipFill>
+                <a:blip r:embed="rId3"/>
+                <a:stretch>
+                  <a:fillRect/>
+                </a:stretch>
+              </a:blipFill>
+            </p:spPr>
+            <p:txBody>
+              <a:bodyPr/>
+              <a:lstStyle/>
+              <a:p>
+                <a:r>
+                  <a:rPr lang="it-IT">
+                    <a:noFill/>
+                  </a:rPr>
+                  <a:t> </a:t>
+                </a:r>
+              </a:p>
+            </p:txBody>
+          </p:sp>
+        </mc:Fallback>
+      </mc:AlternateContent>
+      <p:cxnSp>
+        <p:nvCxnSpPr>
+          <p:cNvPr id="81" name="Connettore 2 80">
+            <a:extLst>
+              <a:ext uri="{FF2B5EF4-FFF2-40B4-BE49-F238E27FC236}">
+                <a16:creationId xmlns:a16="http://schemas.microsoft.com/office/drawing/2014/main" id="{0B05143E-B351-5E7C-AFA3-3D88CB618FC1}"/>
+              </a:ext>
+            </a:extLst>
+          </p:cNvPr>
+          <p:cNvCxnSpPr>
+            <a:cxnSpLocks/>
+          </p:cNvCxnSpPr>
+          <p:nvPr/>
+        </p:nvCxnSpPr>
+        <p:spPr>
+          <a:xfrm>
+            <a:off x="3687359" y="3108314"/>
+            <a:ext cx="2753023" cy="1722028"/>
+          </a:xfrm>
+          <a:prstGeom prst="straightConnector1">
+            <a:avLst/>
+          </a:prstGeom>
+          <a:ln w="19050" cap="flat" cmpd="sng" algn="ctr">
+            <a:solidFill>
+              <a:srgbClr val="CCCC00"/>
+            </a:solidFill>
+            <a:prstDash val="solid"/>
+            <a:round/>
+            <a:headEnd type="none" w="med" len="med"/>
+            <a:tailEnd type="arrow" w="med" len="med"/>
+          </a:ln>
+        </p:spPr>
+        <p:style>
+          <a:lnRef idx="0">
+            <a:scrgbClr r="0" g="0" b="0"/>
+          </a:lnRef>
+          <a:fillRef idx="0">
+            <a:scrgbClr r="0" g="0" b="0"/>
+          </a:fillRef>
+          <a:effectRef idx="0">
+            <a:scrgbClr r="0" g="0" b="0"/>
+          </a:effectRef>
+          <a:fontRef idx="minor">
+            <a:schemeClr val="tx1"/>
+          </a:fontRef>
+        </p:style>
+      </p:cxnSp>
+      <p:cxnSp>
+        <p:nvCxnSpPr>
+          <p:cNvPr id="84" name="Connettore 2 83">
+            <a:extLst>
+              <a:ext uri="{FF2B5EF4-FFF2-40B4-BE49-F238E27FC236}">
+                <a16:creationId xmlns:a16="http://schemas.microsoft.com/office/drawing/2014/main" id="{ADFBF435-9423-95EB-AE4C-004EA54F43E8}"/>
+              </a:ext>
+            </a:extLst>
+          </p:cNvPr>
+          <p:cNvCxnSpPr>
+            <a:cxnSpLocks/>
+          </p:cNvCxnSpPr>
+          <p:nvPr/>
+        </p:nvCxnSpPr>
+        <p:spPr>
+          <a:xfrm>
+            <a:off x="3728052" y="3284315"/>
+            <a:ext cx="2428616" cy="1531116"/>
+          </a:xfrm>
+          <a:prstGeom prst="straightConnector1">
+            <a:avLst/>
+          </a:prstGeom>
+          <a:ln w="19050" cap="flat" cmpd="sng" algn="ctr">
+            <a:solidFill>
+              <a:srgbClr val="CCCC00"/>
+            </a:solidFill>
+            <a:prstDash val="solid"/>
+            <a:round/>
+            <a:headEnd type="none" w="med" len="med"/>
+            <a:tailEnd type="arrow" w="med" len="med"/>
+          </a:ln>
+        </p:spPr>
+        <p:style>
+          <a:lnRef idx="0">
+            <a:scrgbClr r="0" g="0" b="0"/>
+          </a:lnRef>
+          <a:fillRef idx="0">
+            <a:scrgbClr r="0" g="0" b="0"/>
+          </a:fillRef>
+          <a:effectRef idx="0">
+            <a:scrgbClr r="0" g="0" b="0"/>
+          </a:effectRef>
+          <a:fontRef idx="minor">
+            <a:schemeClr val="tx1"/>
+          </a:fontRef>
+        </p:style>
+      </p:cxnSp>
+      <p:sp>
+        <p:nvSpPr>
+          <p:cNvPr id="68" name="Arco 67">
+            <a:extLst>
+              <a:ext uri="{FF2B5EF4-FFF2-40B4-BE49-F238E27FC236}">
+                <a16:creationId xmlns:a16="http://schemas.microsoft.com/office/drawing/2014/main" id="{BEF97E74-7E51-5854-E64F-C8D7F5426E66}"/>
+              </a:ext>
+            </a:extLst>
+          </p:cNvPr>
+          <p:cNvSpPr/>
+          <p:nvPr/>
+        </p:nvSpPr>
+        <p:spPr>
+          <a:xfrm rot="4469029" flipV="1">
+            <a:off x="3499514" y="2692610"/>
+            <a:ext cx="1334949" cy="911348"/>
+          </a:xfrm>
+          <a:prstGeom prst="arc">
+            <a:avLst>
+              <a:gd name="adj1" fmla="val 13925904"/>
+              <a:gd name="adj2" fmla="val 20042270"/>
+            </a:avLst>
+          </a:prstGeom>
+          <a:noFill/>
+          <a:ln w="38100" cmpd="tri">
+            <a:solidFill>
+              <a:srgbClr val="0066FF"/>
+            </a:solidFill>
+          </a:ln>
+        </p:spPr>
+        <p:style>
+          <a:lnRef idx="2">
+            <a:schemeClr val="dk1"/>
+          </a:lnRef>
+          <a:fillRef idx="0">
+            <a:schemeClr val="dk1"/>
+          </a:fillRef>
+          <a:effectRef idx="1">
+            <a:schemeClr val="dk1"/>
+          </a:effectRef>
+          <a:fontRef idx="minor">
+            <a:schemeClr val="tx1"/>
+          </a:fontRef>
+        </p:style>
+        <p:txBody>
+          <a:bodyPr rtlCol="0" anchor="ctr"/>
+          <a:lstStyle/>
+          <a:p>
+            <a:pPr algn="ctr"/>
+            <a:endParaRPr lang="it-IT"/>
+          </a:p>
+        </p:txBody>
+      </p:sp>
+      <p:cxnSp>
+        <p:nvCxnSpPr>
+          <p:cNvPr id="64" name="Connettore diritto 63">
+            <a:extLst>
+              <a:ext uri="{FF2B5EF4-FFF2-40B4-BE49-F238E27FC236}">
+                <a16:creationId xmlns:a16="http://schemas.microsoft.com/office/drawing/2014/main" id="{932B9FC2-A13C-AB91-C740-27BFC45AE70C}"/>
+              </a:ext>
+            </a:extLst>
+          </p:cNvPr>
+          <p:cNvCxnSpPr>
+            <a:cxnSpLocks/>
+          </p:cNvCxnSpPr>
+          <p:nvPr/>
+        </p:nvCxnSpPr>
+        <p:spPr>
+          <a:xfrm rot="1718804">
+            <a:off x="3533347" y="2913478"/>
+            <a:ext cx="0" cy="642509"/>
+          </a:xfrm>
+          <a:prstGeom prst="line">
+            <a:avLst/>
+          </a:prstGeom>
+          <a:solidFill>
+            <a:srgbClr val="92D050"/>
+          </a:solidFill>
+          <a:ln w="38100" cmpd="tri">
+            <a:solidFill>
+              <a:srgbClr val="0066FF"/>
+            </a:solidFill>
+          </a:ln>
+        </p:spPr>
+        <p:style>
+          <a:lnRef idx="2">
+            <a:schemeClr val="dk1"/>
+          </a:lnRef>
+          <a:fillRef idx="0">
+            <a:schemeClr val="dk1"/>
+          </a:fillRef>
+          <a:effectRef idx="1">
+            <a:schemeClr val="dk1"/>
+          </a:effectRef>
+          <a:fontRef idx="minor">
+            <a:schemeClr val="tx1"/>
+          </a:fontRef>
+        </p:style>
+      </p:cxnSp>
+      <p:cxnSp>
+        <p:nvCxnSpPr>
+          <p:cNvPr id="67" name="Connettore diritto 66">
+            <a:extLst>
+              <a:ext uri="{FF2B5EF4-FFF2-40B4-BE49-F238E27FC236}">
+                <a16:creationId xmlns:a16="http://schemas.microsoft.com/office/drawing/2014/main" id="{33D52781-F906-A396-7CA9-C4BC8A9B7093}"/>
+              </a:ext>
+            </a:extLst>
+          </p:cNvPr>
+          <p:cNvCxnSpPr>
+            <a:cxnSpLocks/>
+          </p:cNvCxnSpPr>
+          <p:nvPr/>
+        </p:nvCxnSpPr>
+        <p:spPr>
+          <a:xfrm>
+            <a:off x="3379336" y="3516662"/>
+            <a:ext cx="1070853" cy="655987"/>
+          </a:xfrm>
+          <a:prstGeom prst="line">
+            <a:avLst/>
+          </a:prstGeom>
+          <a:solidFill>
+            <a:srgbClr val="92D050"/>
+          </a:solidFill>
+          <a:ln w="38100" cmpd="tri">
+            <a:solidFill>
+              <a:srgbClr val="0066FF"/>
+            </a:solidFill>
+          </a:ln>
+        </p:spPr>
+        <p:style>
+          <a:lnRef idx="2">
+            <a:schemeClr val="dk1"/>
+          </a:lnRef>
+          <a:fillRef idx="0">
+            <a:schemeClr val="dk1"/>
+          </a:fillRef>
+          <a:effectRef idx="1">
+            <a:schemeClr val="dk1"/>
+          </a:effectRef>
+          <a:fontRef idx="minor">
+            <a:schemeClr val="tx1"/>
+          </a:fontRef>
+        </p:style>
+      </p:cxnSp>
+      <p:cxnSp>
+        <p:nvCxnSpPr>
+          <p:cNvPr id="90" name="Connettore diritto 89">
+            <a:extLst>
+              <a:ext uri="{FF2B5EF4-FFF2-40B4-BE49-F238E27FC236}">
+                <a16:creationId xmlns:a16="http://schemas.microsoft.com/office/drawing/2014/main" id="{79B73386-2DB1-EE83-7D41-5B8F3E13798E}"/>
+              </a:ext>
+            </a:extLst>
+          </p:cNvPr>
+          <p:cNvCxnSpPr>
+            <a:cxnSpLocks/>
+          </p:cNvCxnSpPr>
+          <p:nvPr/>
+        </p:nvCxnSpPr>
+        <p:spPr>
+          <a:xfrm>
+            <a:off x="4058356" y="3746116"/>
+            <a:ext cx="467701" cy="312584"/>
+          </a:xfrm>
+          <a:prstGeom prst="line">
+            <a:avLst/>
+          </a:prstGeom>
+          <a:solidFill>
+            <a:srgbClr val="92D050"/>
+          </a:solidFill>
+          <a:ln w="38100" cmpd="tri">
+            <a:solidFill>
+              <a:srgbClr val="0066FF"/>
+            </a:solidFill>
+          </a:ln>
+        </p:spPr>
+        <p:style>
+          <a:lnRef idx="2">
+            <a:schemeClr val="dk1"/>
+          </a:lnRef>
+          <a:fillRef idx="0">
+            <a:schemeClr val="dk1"/>
+          </a:fillRef>
+          <a:effectRef idx="1">
+            <a:schemeClr val="dk1"/>
+          </a:effectRef>
+          <a:fontRef idx="minor">
+            <a:schemeClr val="tx1"/>
+          </a:fontRef>
+        </p:style>
+      </p:cxnSp>
+      <p:cxnSp>
+        <p:nvCxnSpPr>
+          <p:cNvPr id="102" name="Connettore diritto 101">
+            <a:extLst>
+              <a:ext uri="{FF2B5EF4-FFF2-40B4-BE49-F238E27FC236}">
+                <a16:creationId xmlns:a16="http://schemas.microsoft.com/office/drawing/2014/main" id="{233ACCFD-E8F8-2CB0-7E4F-874CAE752637}"/>
+              </a:ext>
+            </a:extLst>
+          </p:cNvPr>
+          <p:cNvCxnSpPr>
+            <a:cxnSpLocks/>
+          </p:cNvCxnSpPr>
+          <p:nvPr/>
+        </p:nvCxnSpPr>
+        <p:spPr>
+          <a:xfrm flipV="1">
+            <a:off x="4447204" y="4042380"/>
+            <a:ext cx="71326" cy="130269"/>
+          </a:xfrm>
+          <a:prstGeom prst="line">
+            <a:avLst/>
+          </a:prstGeom>
+          <a:solidFill>
+            <a:srgbClr val="92D050"/>
+          </a:solidFill>
+          <a:ln w="38100" cmpd="tri">
+            <a:solidFill>
+              <a:srgbClr val="0066FF"/>
+            </a:solidFill>
+          </a:ln>
+        </p:spPr>
+        <p:style>
+          <a:lnRef idx="2">
+            <a:schemeClr val="dk1"/>
+          </a:lnRef>
+          <a:fillRef idx="0">
+            <a:schemeClr val="dk1"/>
+          </a:fillRef>
+          <a:effectRef idx="1">
+            <a:schemeClr val="dk1"/>
+          </a:effectRef>
+          <a:fontRef idx="minor">
+            <a:schemeClr val="tx1"/>
+          </a:fontRef>
+        </p:style>
+      </p:cxnSp>
+      <p:cxnSp>
+        <p:nvCxnSpPr>
+          <p:cNvPr id="117" name="Connettore 2 116">
+            <a:extLst>
+              <a:ext uri="{FF2B5EF4-FFF2-40B4-BE49-F238E27FC236}">
+                <a16:creationId xmlns:a16="http://schemas.microsoft.com/office/drawing/2014/main" id="{3FB6B902-8F34-9F12-4EB9-751E80F86CB5}"/>
+              </a:ext>
+            </a:extLst>
+          </p:cNvPr>
+          <p:cNvCxnSpPr>
+            <a:cxnSpLocks/>
+          </p:cNvCxnSpPr>
+          <p:nvPr/>
+        </p:nvCxnSpPr>
+        <p:spPr>
+          <a:xfrm>
+            <a:off x="3820952" y="3484829"/>
+            <a:ext cx="2104512" cy="1332983"/>
+          </a:xfrm>
+          <a:prstGeom prst="straightConnector1">
+            <a:avLst/>
+          </a:prstGeom>
+          <a:ln w="19050" cap="flat" cmpd="tri" algn="ctr">
+            <a:solidFill>
+              <a:srgbClr val="CCCC00"/>
+            </a:solidFill>
+            <a:prstDash val="solid"/>
+            <a:round/>
+            <a:headEnd type="none" w="med" len="med"/>
+            <a:tailEnd type="arrow" w="med" len="med"/>
+          </a:ln>
+        </p:spPr>
+        <p:style>
+          <a:lnRef idx="0">
+            <a:scrgbClr r="0" g="0" b="0"/>
+          </a:lnRef>
+          <a:fillRef idx="0">
+            <a:scrgbClr r="0" g="0" b="0"/>
+          </a:fillRef>
+          <a:effectRef idx="0">
+            <a:scrgbClr r="0" g="0" b="0"/>
+          </a:effectRef>
+          <a:fontRef idx="minor">
+            <a:schemeClr val="tx1"/>
+          </a:fontRef>
+        </p:style>
+      </p:cxnSp>
+      <p:cxnSp>
+        <p:nvCxnSpPr>
+          <p:cNvPr id="125" name="Connettore 2 124">
+            <a:extLst>
+              <a:ext uri="{FF2B5EF4-FFF2-40B4-BE49-F238E27FC236}">
+                <a16:creationId xmlns:a16="http://schemas.microsoft.com/office/drawing/2014/main" id="{906AE833-B75F-9E53-0AA1-6447FABB288B}"/>
+              </a:ext>
+            </a:extLst>
+          </p:cNvPr>
+          <p:cNvCxnSpPr>
+            <a:cxnSpLocks noChangeAspect="1"/>
+          </p:cNvCxnSpPr>
+          <p:nvPr/>
+        </p:nvCxnSpPr>
+        <p:spPr>
+          <a:xfrm>
+            <a:off x="6156668" y="4818473"/>
+            <a:ext cx="1515880" cy="955683"/>
+          </a:xfrm>
+          <a:prstGeom prst="straightConnector1">
+            <a:avLst/>
+          </a:prstGeom>
+          <a:ln w="19050" cap="flat" cmpd="sng" algn="ctr">
+            <a:solidFill>
+              <a:srgbClr val="CCCC00"/>
+            </a:solidFill>
+            <a:prstDash val="dashDot"/>
+            <a:round/>
+            <a:headEnd type="none" w="med" len="med"/>
+            <a:tailEnd type="arrow" w="med" len="med"/>
+          </a:ln>
+        </p:spPr>
+        <p:style>
+          <a:lnRef idx="0">
+            <a:scrgbClr r="0" g="0" b="0"/>
+          </a:lnRef>
+          <a:fillRef idx="0">
+            <a:scrgbClr r="0" g="0" b="0"/>
+          </a:fillRef>
+          <a:effectRef idx="0">
+            <a:scrgbClr r="0" g="0" b="0"/>
+          </a:effectRef>
+          <a:fontRef idx="minor">
+            <a:schemeClr val="tx1"/>
+          </a:fontRef>
+        </p:style>
+      </p:cxnSp>
+      <p:sp>
+        <p:nvSpPr>
+          <p:cNvPr id="128" name="CasellaDiTesto 127">
+            <a:extLst>
+              <a:ext uri="{FF2B5EF4-FFF2-40B4-BE49-F238E27FC236}">
+                <a16:creationId xmlns:a16="http://schemas.microsoft.com/office/drawing/2014/main" id="{14FF074E-D208-0E3E-60FA-B3DFC43503E8}"/>
+              </a:ext>
+            </a:extLst>
+          </p:cNvPr>
+          <p:cNvSpPr txBox="1"/>
+          <p:nvPr/>
+        </p:nvSpPr>
+        <p:spPr>
+          <a:xfrm>
+            <a:off x="1110012" y="3377659"/>
+            <a:ext cx="2363391" cy="1077218"/>
+          </a:xfrm>
+          <a:prstGeom prst="rect">
+            <a:avLst/>
+          </a:prstGeom>
+          <a:noFill/>
+        </p:spPr>
+        <p:txBody>
+          <a:bodyPr wrap="square" rtlCol="0">
+            <a:spAutoFit/>
+          </a:bodyPr>
+          <a:lstStyle/>
+          <a:p>
+            <a:pPr algn="ctr"/>
+            <a:r>
+              <a:rPr lang="it-IT" sz="3200">
+                <a:latin typeface="Times New Roman" panose="02020603050405020304" pitchFamily="18" charset="0"/>
+                <a:cs typeface="Times New Roman" panose="02020603050405020304" pitchFamily="18" charset="0"/>
+              </a:rPr>
+              <a:t>multi-layer</a:t>
+            </a:r>
+          </a:p>
+          <a:p>
+            <a:pPr algn="ctr"/>
+            <a:r>
+              <a:rPr lang="it-IT" sz="3200">
+                <a:latin typeface="Times New Roman" panose="02020603050405020304" pitchFamily="18" charset="0"/>
+                <a:cs typeface="Times New Roman" panose="02020603050405020304" pitchFamily="18" charset="0"/>
+              </a:rPr>
+              <a:t>Göbel mirror</a:t>
+            </a:r>
+          </a:p>
+        </p:txBody>
+      </p:sp>
+    </p:spTree>
+    <p:extLst>
+      <p:ext uri="{BB962C8B-B14F-4D97-AF65-F5344CB8AC3E}">
+        <p14:creationId xmlns:p14="http://schemas.microsoft.com/office/powerpoint/2010/main" val="1134827451"/>
       </p:ext>
     </p:extLst>
   </p:cSld>
